--- a/Presentation/Week 10 - Geometry.pptx
+++ b/Presentation/Week 10 - Geometry.pptx
@@ -337,7 +337,7 @@
           <a:p>
             <a:fld id="{20D6EA60-390B-447F-B4A4-C20749788BD2}" type="datetimeFigureOut">
               <a:rPr lang="en-US" smtClean="0"/>
-              <a:t>5/29/2021</a:t>
+              <a:t>5/30/2021</a:t>
             </a:fld>
             <a:endParaRPr lang="en-US"/>
           </a:p>
@@ -535,7 +535,7 @@
           <a:p>
             <a:fld id="{20D6EA60-390B-447F-B4A4-C20749788BD2}" type="datetimeFigureOut">
               <a:rPr lang="en-US" smtClean="0"/>
-              <a:t>5/29/2021</a:t>
+              <a:t>5/30/2021</a:t>
             </a:fld>
             <a:endParaRPr lang="en-US"/>
           </a:p>
@@ -743,7 +743,7 @@
           <a:p>
             <a:fld id="{20D6EA60-390B-447F-B4A4-C20749788BD2}" type="datetimeFigureOut">
               <a:rPr lang="en-US" smtClean="0"/>
-              <a:t>5/29/2021</a:t>
+              <a:t>5/30/2021</a:t>
             </a:fld>
             <a:endParaRPr lang="en-US"/>
           </a:p>
@@ -941,7 +941,7 @@
           <a:p>
             <a:fld id="{20D6EA60-390B-447F-B4A4-C20749788BD2}" type="datetimeFigureOut">
               <a:rPr lang="en-US" smtClean="0"/>
-              <a:t>5/29/2021</a:t>
+              <a:t>5/30/2021</a:t>
             </a:fld>
             <a:endParaRPr lang="en-US"/>
           </a:p>
@@ -1216,7 +1216,7 @@
           <a:p>
             <a:fld id="{20D6EA60-390B-447F-B4A4-C20749788BD2}" type="datetimeFigureOut">
               <a:rPr lang="en-US" smtClean="0"/>
-              <a:t>5/29/2021</a:t>
+              <a:t>5/30/2021</a:t>
             </a:fld>
             <a:endParaRPr lang="en-US"/>
           </a:p>
@@ -1481,7 +1481,7 @@
           <a:p>
             <a:fld id="{20D6EA60-390B-447F-B4A4-C20749788BD2}" type="datetimeFigureOut">
               <a:rPr lang="en-US" smtClean="0"/>
-              <a:t>5/29/2021</a:t>
+              <a:t>5/30/2021</a:t>
             </a:fld>
             <a:endParaRPr lang="en-US"/>
           </a:p>
@@ -1893,7 +1893,7 @@
           <a:p>
             <a:fld id="{20D6EA60-390B-447F-B4A4-C20749788BD2}" type="datetimeFigureOut">
               <a:rPr lang="en-US" smtClean="0"/>
-              <a:t>5/29/2021</a:t>
+              <a:t>5/30/2021</a:t>
             </a:fld>
             <a:endParaRPr lang="en-US"/>
           </a:p>
@@ -2034,7 +2034,7 @@
           <a:p>
             <a:fld id="{20D6EA60-390B-447F-B4A4-C20749788BD2}" type="datetimeFigureOut">
               <a:rPr lang="en-US" smtClean="0"/>
-              <a:t>5/29/2021</a:t>
+              <a:t>5/30/2021</a:t>
             </a:fld>
             <a:endParaRPr lang="en-US"/>
           </a:p>
@@ -2147,7 +2147,7 @@
           <a:p>
             <a:fld id="{20D6EA60-390B-447F-B4A4-C20749788BD2}" type="datetimeFigureOut">
               <a:rPr lang="en-US" smtClean="0"/>
-              <a:t>5/29/2021</a:t>
+              <a:t>5/30/2021</a:t>
             </a:fld>
             <a:endParaRPr lang="en-US"/>
           </a:p>
@@ -2458,7 +2458,7 @@
           <a:p>
             <a:fld id="{20D6EA60-390B-447F-B4A4-C20749788BD2}" type="datetimeFigureOut">
               <a:rPr lang="en-US" smtClean="0"/>
-              <a:t>5/29/2021</a:t>
+              <a:t>5/30/2021</a:t>
             </a:fld>
             <a:endParaRPr lang="en-US"/>
           </a:p>
@@ -2746,7 +2746,7 @@
           <a:p>
             <a:fld id="{20D6EA60-390B-447F-B4A4-C20749788BD2}" type="datetimeFigureOut">
               <a:rPr lang="en-US" smtClean="0"/>
-              <a:t>5/29/2021</a:t>
+              <a:t>5/30/2021</a:t>
             </a:fld>
             <a:endParaRPr lang="en-US"/>
           </a:p>
@@ -2987,7 +2987,7 @@
           <a:p>
             <a:fld id="{20D6EA60-390B-447F-B4A4-C20749788BD2}" type="datetimeFigureOut">
               <a:rPr lang="en-US" smtClean="0"/>
-              <a:t>5/29/2021</a:t>
+              <a:t>5/30/2021</a:t>
             </a:fld>
             <a:endParaRPr lang="en-US"/>
           </a:p>
@@ -28995,8 +28995,8 @@
           </p:sp>
         </mc:Fallback>
       </mc:AlternateContent>
-      <mc:AlternateContent xmlns:mc="http://schemas.openxmlformats.org/markup-compatibility/2006">
-        <mc:Choice xmlns:a14="http://schemas.microsoft.com/office/drawing/2010/main" Requires="a14">
+      <mc:AlternateContent xmlns:mc="http://schemas.openxmlformats.org/markup-compatibility/2006" xmlns:a14="http://schemas.microsoft.com/office/drawing/2010/main">
+        <mc:Choice Requires="a14">
           <p:sp>
             <p:nvSpPr>
               <p:cNvPr id="7" name="Title 1">
@@ -29361,7 +29361,7 @@
             </p:txBody>
           </p:sp>
         </mc:Choice>
-        <mc:Fallback>
+        <mc:Fallback xmlns="">
           <p:sp>
             <p:nvSpPr>
               <p:cNvPr id="7" name="Title 1">
@@ -29406,6 +29406,83 @@
           </p:sp>
         </mc:Fallback>
       </mc:AlternateContent>
+      <p:sp>
+        <p:nvSpPr>
+          <p:cNvPr id="8" name="Title 1">
+            <a:extLst>
+              <a:ext uri="{FF2B5EF4-FFF2-40B4-BE49-F238E27FC236}">
+                <a16:creationId xmlns:a16="http://schemas.microsoft.com/office/drawing/2014/main" id="{60584374-DCD3-4CA2-ACD5-1C30424D4564}"/>
+              </a:ext>
+            </a:extLst>
+          </p:cNvPr>
+          <p:cNvSpPr txBox="1">
+            <a:spLocks/>
+          </p:cNvSpPr>
+          <p:nvPr/>
+        </p:nvSpPr>
+        <p:spPr>
+          <a:xfrm>
+            <a:off x="9161159" y="2711372"/>
+            <a:ext cx="1979422" cy="1030931"/>
+          </a:xfrm>
+          <a:prstGeom prst="rect">
+            <a:avLst/>
+          </a:prstGeom>
+        </p:spPr>
+        <p:txBody>
+          <a:bodyPr vert="horz" lIns="91440" tIns="45720" rIns="91440" bIns="45720" rtlCol="0" anchor="ctr">
+            <a:normAutofit/>
+          </a:bodyPr>
+          <a:lstStyle>
+            <a:lvl1pPr algn="l" defTabSz="914400" rtl="0" eaLnBrk="1" latinLnBrk="0" hangingPunct="1">
+              <a:lnSpc>
+                <a:spcPct val="90000"/>
+              </a:lnSpc>
+              <a:spcBef>
+                <a:spcPct val="0"/>
+              </a:spcBef>
+              <a:buNone/>
+              <a:defRPr sz="4400" kern="1200">
+                <a:solidFill>
+                  <a:schemeClr val="tx1"/>
+                </a:solidFill>
+                <a:latin typeface="+mj-lt"/>
+                <a:ea typeface="+mj-ea"/>
+                <a:cs typeface="+mj-cs"/>
+              </a:defRPr>
+            </a:lvl1pPr>
+          </a:lstStyle>
+          <a:p>
+            <a:r>
+              <a:rPr lang="en-US" sz="3600" dirty="0">
+                <a:solidFill>
+                  <a:srgbClr val="00B0F0"/>
+                </a:solidFill>
+                <a:latin typeface="-apple-system"/>
+              </a:rPr>
+              <a:t>O(</a:t>
+            </a:r>
+            <a:r>
+              <a:rPr lang="en-US" sz="3600" dirty="0" err="1">
+                <a:solidFill>
+                  <a:srgbClr val="00B0F0"/>
+                </a:solidFill>
+                <a:latin typeface="-apple-system"/>
+              </a:rPr>
+              <a:t>NlogN</a:t>
+            </a:r>
+            <a:r>
+              <a:rPr lang="en-US" sz="3600" dirty="0">
+                <a:solidFill>
+                  <a:srgbClr val="00B0F0"/>
+                </a:solidFill>
+                <a:latin typeface="-apple-system"/>
+              </a:rPr>
+              <a:t>)</a:t>
+            </a:r>
+          </a:p>
+        </p:txBody>
+      </p:sp>
     </p:spTree>
     <p:extLst>
       <p:ext uri="{BB962C8B-B14F-4D97-AF65-F5344CB8AC3E}">
@@ -29525,6 +29602,51 @@
                       </p:childTnLst>
                     </p:cTn>
                   </p:par>
+                  <p:par>
+                    <p:cTn id="12" fill="hold">
+                      <p:stCondLst>
+                        <p:cond delay="indefinite"/>
+                      </p:stCondLst>
+                      <p:childTnLst>
+                        <p:par>
+                          <p:cTn id="13" fill="hold">
+                            <p:stCondLst>
+                              <p:cond delay="0"/>
+                            </p:stCondLst>
+                            <p:childTnLst>
+                              <p:par>
+                                <p:cTn id="14" presetID="1" presetClass="entr" presetSubtype="0" fill="hold" grpId="0" nodeType="clickEffect">
+                                  <p:stCondLst>
+                                    <p:cond delay="0"/>
+                                  </p:stCondLst>
+                                  <p:childTnLst>
+                                    <p:set>
+                                      <p:cBhvr>
+                                        <p:cTn id="15" dur="1" fill="hold">
+                                          <p:stCondLst>
+                                            <p:cond delay="0"/>
+                                          </p:stCondLst>
+                                        </p:cTn>
+                                        <p:tgtEl>
+                                          <p:spTgt spid="8"/>
+                                        </p:tgtEl>
+                                        <p:attrNameLst>
+                                          <p:attrName>style.visibility</p:attrName>
+                                        </p:attrNameLst>
+                                      </p:cBhvr>
+                                      <p:to>
+                                        <p:strVal val="visible"/>
+                                      </p:to>
+                                    </p:set>
+                                  </p:childTnLst>
+                                </p:cTn>
+                              </p:par>
+                            </p:childTnLst>
+                          </p:cTn>
+                        </p:par>
+                      </p:childTnLst>
+                    </p:cTn>
+                  </p:par>
                 </p:childTnLst>
               </p:cTn>
               <p:prevCondLst>
@@ -29549,6 +29671,7 @@
     <p:bldLst>
       <p:bldP spid="6" grpId="0"/>
       <p:bldP spid="7" grpId="0"/>
+      <p:bldP spid="8" grpId="0"/>
     </p:bldLst>
   </p:timing>
 </p:sld>
@@ -32930,13 +33053,13 @@
   <p:clrMapOvr>
     <a:masterClrMapping/>
   </p:clrMapOvr>
-  <mc:AlternateContent xmlns:mc="http://schemas.openxmlformats.org/markup-compatibility/2006">
-    <mc:Choice xmlns:p159="http://schemas.microsoft.com/office/powerpoint/2015/09/main" Requires="p159">
+  <mc:AlternateContent xmlns:mc="http://schemas.openxmlformats.org/markup-compatibility/2006" xmlns:p159="http://schemas.microsoft.com/office/powerpoint/2015/09/main">
+    <mc:Choice Requires="p159">
       <p:transition xmlns:p14="http://schemas.microsoft.com/office/powerpoint/2010/main" spd="slow" p14:dur="2000">
         <p159:morph option="byObject"/>
       </p:transition>
     </mc:Choice>
-    <mc:Fallback>
+    <mc:Fallback xmlns="">
       <p:transition spd="slow">
         <p:fade/>
       </p:transition>

--- a/Presentation/Week 10 - Geometry.pptx
+++ b/Presentation/Week 10 - Geometry.pptx
@@ -83,7 +83,8 @@
     <p:sldId id="340" r:id="rId77"/>
     <p:sldId id="329" r:id="rId78"/>
     <p:sldId id="345" r:id="rId79"/>
-    <p:sldId id="347" r:id="rId80"/>
+    <p:sldId id="348" r:id="rId80"/>
+    <p:sldId id="347" r:id="rId81"/>
   </p:sldIdLst>
   <p:sldSz cx="12192000" cy="6858000"/>
   <p:notesSz cx="6858000" cy="9144000"/>
@@ -337,7 +338,7 @@
           <a:p>
             <a:fld id="{20D6EA60-390B-447F-B4A4-C20749788BD2}" type="datetimeFigureOut">
               <a:rPr lang="en-US" smtClean="0"/>
-              <a:t>5/30/2021</a:t>
+              <a:t>6/25/21</a:t>
             </a:fld>
             <a:endParaRPr lang="en-US"/>
           </a:p>
@@ -535,7 +536,7 @@
           <a:p>
             <a:fld id="{20D6EA60-390B-447F-B4A4-C20749788BD2}" type="datetimeFigureOut">
               <a:rPr lang="en-US" smtClean="0"/>
-              <a:t>5/30/2021</a:t>
+              <a:t>6/25/21</a:t>
             </a:fld>
             <a:endParaRPr lang="en-US"/>
           </a:p>
@@ -743,7 +744,7 @@
           <a:p>
             <a:fld id="{20D6EA60-390B-447F-B4A4-C20749788BD2}" type="datetimeFigureOut">
               <a:rPr lang="en-US" smtClean="0"/>
-              <a:t>5/30/2021</a:t>
+              <a:t>6/25/21</a:t>
             </a:fld>
             <a:endParaRPr lang="en-US"/>
           </a:p>
@@ -941,7 +942,7 @@
           <a:p>
             <a:fld id="{20D6EA60-390B-447F-B4A4-C20749788BD2}" type="datetimeFigureOut">
               <a:rPr lang="en-US" smtClean="0"/>
-              <a:t>5/30/2021</a:t>
+              <a:t>6/25/21</a:t>
             </a:fld>
             <a:endParaRPr lang="en-US"/>
           </a:p>
@@ -1216,7 +1217,7 @@
           <a:p>
             <a:fld id="{20D6EA60-390B-447F-B4A4-C20749788BD2}" type="datetimeFigureOut">
               <a:rPr lang="en-US" smtClean="0"/>
-              <a:t>5/30/2021</a:t>
+              <a:t>6/25/21</a:t>
             </a:fld>
             <a:endParaRPr lang="en-US"/>
           </a:p>
@@ -1481,7 +1482,7 @@
           <a:p>
             <a:fld id="{20D6EA60-390B-447F-B4A4-C20749788BD2}" type="datetimeFigureOut">
               <a:rPr lang="en-US" smtClean="0"/>
-              <a:t>5/30/2021</a:t>
+              <a:t>6/25/21</a:t>
             </a:fld>
             <a:endParaRPr lang="en-US"/>
           </a:p>
@@ -1893,7 +1894,7 @@
           <a:p>
             <a:fld id="{20D6EA60-390B-447F-B4A4-C20749788BD2}" type="datetimeFigureOut">
               <a:rPr lang="en-US" smtClean="0"/>
-              <a:t>5/30/2021</a:t>
+              <a:t>6/25/21</a:t>
             </a:fld>
             <a:endParaRPr lang="en-US"/>
           </a:p>
@@ -2034,7 +2035,7 @@
           <a:p>
             <a:fld id="{20D6EA60-390B-447F-B4A4-C20749788BD2}" type="datetimeFigureOut">
               <a:rPr lang="en-US" smtClean="0"/>
-              <a:t>5/30/2021</a:t>
+              <a:t>6/25/21</a:t>
             </a:fld>
             <a:endParaRPr lang="en-US"/>
           </a:p>
@@ -2147,7 +2148,7 @@
           <a:p>
             <a:fld id="{20D6EA60-390B-447F-B4A4-C20749788BD2}" type="datetimeFigureOut">
               <a:rPr lang="en-US" smtClean="0"/>
-              <a:t>5/30/2021</a:t>
+              <a:t>6/25/21</a:t>
             </a:fld>
             <a:endParaRPr lang="en-US"/>
           </a:p>
@@ -2458,7 +2459,7 @@
           <a:p>
             <a:fld id="{20D6EA60-390B-447F-B4A4-C20749788BD2}" type="datetimeFigureOut">
               <a:rPr lang="en-US" smtClean="0"/>
-              <a:t>5/30/2021</a:t>
+              <a:t>6/25/21</a:t>
             </a:fld>
             <a:endParaRPr lang="en-US"/>
           </a:p>
@@ -2746,7 +2747,7 @@
           <a:p>
             <a:fld id="{20D6EA60-390B-447F-B4A4-C20749788BD2}" type="datetimeFigureOut">
               <a:rPr lang="en-US" smtClean="0"/>
-              <a:t>5/30/2021</a:t>
+              <a:t>6/25/21</a:t>
             </a:fld>
             <a:endParaRPr lang="en-US"/>
           </a:p>
@@ -2987,7 +2988,7 @@
           <a:p>
             <a:fld id="{20D6EA60-390B-447F-B4A4-C20749788BD2}" type="datetimeFigureOut">
               <a:rPr lang="en-US" smtClean="0"/>
-              <a:t>5/30/2021</a:t>
+              <a:t>6/25/21</a:t>
             </a:fld>
             <a:endParaRPr lang="en-US"/>
           </a:p>
@@ -16624,7 +16625,7 @@
             </p:spPr>
             <p:txBody>
               <a:bodyPr>
-                <a:normAutofit/>
+                <a:normAutofit fontScale="70000" lnSpcReduction="20000"/>
               </a:bodyPr>
               <a:lstStyle/>
               <a:p>
@@ -16755,7 +16756,7 @@
               <a:blipFill>
                 <a:blip r:embed="rId2"/>
                 <a:stretch>
-                  <a:fillRect l="-5987" t="-26452" r="-3104" b="-71613"/>
+                  <a:fillRect l="-3687" t="-25000" b="-6579"/>
                 </a:stretch>
               </a:blipFill>
             </p:spPr>
@@ -16764,7 +16765,7 @@
               <a:lstStyle/>
               <a:p>
                 <a:r>
-                  <a:rPr lang="en-US">
+                  <a:rPr lang="en-VN">
                     <a:noFill/>
                   </a:rPr>
                   <a:t> </a:t>
@@ -32971,6 +32972,702 @@
 <file path=ppt/slides/slide79.xml><?xml version="1.0" encoding="utf-8"?>
 <p:sld xmlns:a="http://schemas.openxmlformats.org/drawingml/2006/main" xmlns:r="http://schemas.openxmlformats.org/officeDocument/2006/relationships" xmlns:p="http://schemas.openxmlformats.org/presentationml/2006/main">
   <p:cSld>
+    <p:spTree>
+      <p:nvGrpSpPr>
+        <p:cNvPr id="1" name=""/>
+        <p:cNvGrpSpPr/>
+        <p:nvPr/>
+      </p:nvGrpSpPr>
+      <p:grpSpPr>
+        <a:xfrm>
+          <a:off x="0" y="0"/>
+          <a:ext cx="0" cy="0"/>
+          <a:chOff x="0" y="0"/>
+          <a:chExt cx="0" cy="0"/>
+        </a:xfrm>
+      </p:grpSpPr>
+      <p:sp>
+        <p:nvSpPr>
+          <p:cNvPr id="2" name="Title 1">
+            <a:extLst>
+              <a:ext uri="{FF2B5EF4-FFF2-40B4-BE49-F238E27FC236}">
+                <a16:creationId xmlns:a16="http://schemas.microsoft.com/office/drawing/2014/main" id="{CB2DF934-DA63-B945-BE8B-1290EAB913DF}"/>
+              </a:ext>
+            </a:extLst>
+          </p:cNvPr>
+          <p:cNvSpPr>
+            <a:spLocks noGrp="1"/>
+          </p:cNvSpPr>
+          <p:nvPr>
+            <p:ph type="title"/>
+          </p:nvPr>
+        </p:nvSpPr>
+        <p:spPr>
+          <a:xfrm>
+            <a:off x="838200" y="494079"/>
+            <a:ext cx="10515600" cy="1325563"/>
+          </a:xfrm>
+        </p:spPr>
+        <p:txBody>
+          <a:bodyPr/>
+          <a:lstStyle/>
+          <a:p>
+            <a:pPr algn="ctr"/>
+            <a:r>
+              <a:rPr lang="en-VN" dirty="0">
+                <a:solidFill>
+                  <a:srgbClr val="FF0000"/>
+                </a:solidFill>
+                <a:latin typeface="Bungee" pitchFamily="2" charset="77"/>
+              </a:rPr>
+              <a:t>Phân công công việc</a:t>
+            </a:r>
+          </a:p>
+        </p:txBody>
+      </p:sp>
+      <p:graphicFrame>
+        <p:nvGraphicFramePr>
+          <p:cNvPr id="4" name="Table 4">
+            <a:extLst>
+              <a:ext uri="{FF2B5EF4-FFF2-40B4-BE49-F238E27FC236}">
+                <a16:creationId xmlns:a16="http://schemas.microsoft.com/office/drawing/2014/main" id="{A181CEC9-76A7-E743-944F-62869086D51E}"/>
+              </a:ext>
+            </a:extLst>
+          </p:cNvPr>
+          <p:cNvGraphicFramePr>
+            <a:graphicFrameLocks noGrp="1"/>
+          </p:cNvGraphicFramePr>
+          <p:nvPr>
+            <p:ph idx="1"/>
+            <p:extLst>
+              <p:ext uri="{D42A27DB-BD31-4B8C-83A1-F6EECF244321}">
+                <p14:modId xmlns:p14="http://schemas.microsoft.com/office/powerpoint/2010/main" val="1147195159"/>
+              </p:ext>
+            </p:extLst>
+          </p:nvPr>
+        </p:nvGraphicFramePr>
+        <p:xfrm>
+          <a:off x="1075592" y="2559734"/>
+          <a:ext cx="10040816" cy="2301240"/>
+        </p:xfrm>
+        <a:graphic>
+          <a:graphicData uri="http://schemas.openxmlformats.org/drawingml/2006/table">
+            <a:tbl>
+              <a:tblPr firstRow="1" bandRow="1">
+                <a:tableStyleId>{5C22544A-7EE6-4342-B048-85BDC9FD1C3A}</a:tableStyleId>
+              </a:tblPr>
+              <a:tblGrid>
+                <a:gridCol w="2075091">
+                  <a:extLst>
+                    <a:ext uri="{9D8B030D-6E8A-4147-A177-3AD203B41FA5}">
+                      <a16:colId xmlns:a16="http://schemas.microsoft.com/office/drawing/2014/main" val="2156972021"/>
+                    </a:ext>
+                  </a:extLst>
+                </a:gridCol>
+                <a:gridCol w="2901356">
+                  <a:extLst>
+                    <a:ext uri="{9D8B030D-6E8A-4147-A177-3AD203B41FA5}">
+                      <a16:colId xmlns:a16="http://schemas.microsoft.com/office/drawing/2014/main" val="3927290564"/>
+                    </a:ext>
+                  </a:extLst>
+                </a:gridCol>
+                <a:gridCol w="2649415">
+                  <a:extLst>
+                    <a:ext uri="{9D8B030D-6E8A-4147-A177-3AD203B41FA5}">
+                      <a16:colId xmlns:a16="http://schemas.microsoft.com/office/drawing/2014/main" val="574707216"/>
+                    </a:ext>
+                  </a:extLst>
+                </a:gridCol>
+                <a:gridCol w="2414954">
+                  <a:extLst>
+                    <a:ext uri="{9D8B030D-6E8A-4147-A177-3AD203B41FA5}">
+                      <a16:colId xmlns:a16="http://schemas.microsoft.com/office/drawing/2014/main" val="483466867"/>
+                    </a:ext>
+                  </a:extLst>
+                </a:gridCol>
+              </a:tblGrid>
+              <a:tr h="370840">
+                <a:tc>
+                  <a:txBody>
+                    <a:bodyPr/>
+                    <a:lstStyle/>
+                    <a:p>
+                      <a:endParaRPr lang="en-VN"/>
+                    </a:p>
+                  </a:txBody>
+                  <a:tcPr/>
+                </a:tc>
+                <a:tc>
+                  <a:txBody>
+                    <a:bodyPr/>
+                    <a:lstStyle/>
+                    <a:p>
+                      <a:r>
+                        <a:rPr lang="en-VN" dirty="0"/>
+                        <a:t>Bùi Trí Dũng (Nhóm trưởng)</a:t>
+                      </a:r>
+                    </a:p>
+                  </a:txBody>
+                  <a:tcPr/>
+                </a:tc>
+                <a:tc>
+                  <a:txBody>
+                    <a:bodyPr/>
+                    <a:lstStyle/>
+                    <a:p>
+                      <a:r>
+                        <a:rPr lang="en-VN" dirty="0"/>
+                        <a:t>Phạm Ngọc Tân</a:t>
+                      </a:r>
+                    </a:p>
+                  </a:txBody>
+                  <a:tcPr/>
+                </a:tc>
+                <a:tc>
+                  <a:txBody>
+                    <a:bodyPr/>
+                    <a:lstStyle/>
+                    <a:p>
+                      <a:r>
+                        <a:rPr lang="en-VN" dirty="0"/>
+                        <a:t>Võ Khánh An</a:t>
+                      </a:r>
+                    </a:p>
+                  </a:txBody>
+                  <a:tcPr/>
+                </a:tc>
+                <a:extLst>
+                  <a:ext uri="{0D108BD9-81ED-4DB2-BD59-A6C34878D82A}">
+                    <a16:rowId xmlns:a16="http://schemas.microsoft.com/office/drawing/2014/main" val="1329801412"/>
+                  </a:ext>
+                </a:extLst>
+              </a:tr>
+              <a:tr h="370840">
+                <a:tc>
+                  <a:txBody>
+                    <a:bodyPr/>
+                    <a:lstStyle/>
+                    <a:p>
+                      <a:r>
+                        <a:rPr lang="en-VN" dirty="0"/>
+                        <a:t>MSSV</a:t>
+                      </a:r>
+                    </a:p>
+                  </a:txBody>
+                  <a:tcPr/>
+                </a:tc>
+                <a:tc>
+                  <a:txBody>
+                    <a:bodyPr/>
+                    <a:lstStyle/>
+                    <a:p>
+                      <a:r>
+                        <a:rPr lang="en-VN" dirty="0"/>
+                        <a:t>19521386</a:t>
+                      </a:r>
+                    </a:p>
+                  </a:txBody>
+                  <a:tcPr/>
+                </a:tc>
+                <a:tc>
+                  <a:txBody>
+                    <a:bodyPr/>
+                    <a:lstStyle/>
+                    <a:p>
+                      <a:r>
+                        <a:rPr lang="en-VN" dirty="0"/>
+                        <a:t>19520925</a:t>
+                      </a:r>
+                    </a:p>
+                  </a:txBody>
+                  <a:tcPr/>
+                </a:tc>
+                <a:tc>
+                  <a:txBody>
+                    <a:bodyPr/>
+                    <a:lstStyle/>
+                    <a:p>
+                      <a:r>
+                        <a:rPr lang="en-VN" dirty="0"/>
+                        <a:t>19</a:t>
+                      </a:r>
+                      <a:r>
+                        <a:rPr lang="en-VN" b="0" dirty="0"/>
+                        <a:t>520007</a:t>
+                      </a:r>
+                      <a:endParaRPr lang="en-VN" dirty="0"/>
+                    </a:p>
+                  </a:txBody>
+                  <a:tcPr/>
+                </a:tc>
+                <a:extLst>
+                  <a:ext uri="{0D108BD9-81ED-4DB2-BD59-A6C34878D82A}">
+                    <a16:rowId xmlns:a16="http://schemas.microsoft.com/office/drawing/2014/main" val="3357141571"/>
+                  </a:ext>
+                </a:extLst>
+              </a:tr>
+              <a:tr h="370840">
+                <a:tc>
+                  <a:txBody>
+                    <a:bodyPr/>
+                    <a:lstStyle/>
+                    <a:p>
+                      <a:r>
+                        <a:rPr lang="en-VN" dirty="0"/>
+                        <a:t>Công việc</a:t>
+                      </a:r>
+                    </a:p>
+                  </a:txBody>
+                  <a:tcPr anchor="ctr"/>
+                </a:tc>
+                <a:tc>
+                  <a:txBody>
+                    <a:bodyPr/>
+                    <a:lstStyle/>
+                    <a:p>
+                      <a:pPr marL="285750" indent="-285750">
+                        <a:buFontTx/>
+                        <a:buChar char="-"/>
+                      </a:pPr>
+                      <a:r>
+                        <a:rPr lang="en-VN" dirty="0"/>
+                        <a:t>Sửa bài tập về nhà</a:t>
+                      </a:r>
+                    </a:p>
+                    <a:p>
+                      <a:pPr marL="285750" indent="-285750">
+                        <a:buFontTx/>
+                        <a:buChar char="-"/>
+                      </a:pPr>
+                      <a:r>
+                        <a:rPr lang="en-VN" dirty="0"/>
+                        <a:t>Thuyết trình</a:t>
+                      </a:r>
+                    </a:p>
+                    <a:p>
+                      <a:pPr marL="285750" indent="-285750">
+                        <a:buFontTx/>
+                        <a:buChar char="-"/>
+                      </a:pPr>
+                      <a:r>
+                        <a:rPr lang="en-VN" dirty="0"/>
+                        <a:t>Chuẩn bị bài tập</a:t>
+                      </a:r>
+                    </a:p>
+                    <a:p>
+                      <a:pPr marL="285750" indent="-285750">
+                        <a:buFontTx/>
+                        <a:buChar char="-"/>
+                      </a:pPr>
+                      <a:r>
+                        <a:rPr lang="en-VN" dirty="0"/>
+                        <a:t>Chuẩn bị Kahoot</a:t>
+                      </a:r>
+                    </a:p>
+                  </a:txBody>
+                  <a:tcPr/>
+                </a:tc>
+                <a:tc>
+                  <a:txBody>
+                    <a:bodyPr/>
+                    <a:lstStyle/>
+                    <a:p>
+                      <a:pPr marL="285750" indent="-285750">
+                        <a:buFontTx/>
+                        <a:buChar char="-"/>
+                      </a:pPr>
+                      <a:r>
+                        <a:rPr lang="en-VN" dirty="0"/>
+                        <a:t>Làm slide</a:t>
+                      </a:r>
+                    </a:p>
+                    <a:p>
+                      <a:pPr marL="285750" indent="-285750">
+                        <a:buFontTx/>
+                        <a:buChar char="-"/>
+                      </a:pPr>
+                      <a:r>
+                        <a:rPr lang="en-VN" dirty="0"/>
+                        <a:t>Soạn bài tập về nhà</a:t>
+                      </a:r>
+                    </a:p>
+                    <a:p>
+                      <a:pPr marL="285750" indent="-285750">
+                        <a:buFontTx/>
+                        <a:buChar char="-"/>
+                      </a:pPr>
+                      <a:r>
+                        <a:rPr lang="en-VN" dirty="0"/>
+                        <a:t>Chuẩn bị tài liệu</a:t>
+                      </a:r>
+                    </a:p>
+                    <a:p>
+                      <a:pPr marL="285750" indent="-285750">
+                        <a:buFontTx/>
+                        <a:buChar char="-"/>
+                      </a:pPr>
+                      <a:r>
+                        <a:rPr lang="en-VN" dirty="0"/>
+                        <a:t>Thuyết trình</a:t>
+                      </a:r>
+                    </a:p>
+                  </a:txBody>
+                  <a:tcPr/>
+                </a:tc>
+                <a:tc>
+                  <a:txBody>
+                    <a:bodyPr/>
+                    <a:lstStyle/>
+                    <a:p>
+                      <a:pPr marL="285750" indent="-285750">
+                        <a:buFontTx/>
+                        <a:buChar char="-"/>
+                      </a:pPr>
+                      <a:r>
+                        <a:rPr lang="en-VN" dirty="0"/>
+                        <a:t>Chuẩn bị Kahoot</a:t>
+                      </a:r>
+                    </a:p>
+                    <a:p>
+                      <a:pPr marL="285750" indent="-285750">
+                        <a:buFontTx/>
+                        <a:buChar char="-"/>
+                      </a:pPr>
+                      <a:r>
+                        <a:rPr lang="en-VN" dirty="0"/>
+                        <a:t>Thuyết trình</a:t>
+                      </a:r>
+                    </a:p>
+                    <a:p>
+                      <a:pPr marL="285750" indent="-285750">
+                        <a:buFontTx/>
+                        <a:buChar char="-"/>
+                      </a:pPr>
+                      <a:r>
+                        <a:rPr lang="en-VN" dirty="0"/>
+                        <a:t>Chuẩn bị tài liệu</a:t>
+                      </a:r>
+                    </a:p>
+                    <a:p>
+                      <a:pPr marL="285750" indent="-285750">
+                        <a:buFontTx/>
+                        <a:buChar char="-"/>
+                      </a:pPr>
+                      <a:r>
+                        <a:rPr lang="en-VN" dirty="0"/>
+                        <a:t>Chuẩn bị bài tập</a:t>
+                      </a:r>
+                    </a:p>
+                  </a:txBody>
+                  <a:tcPr/>
+                </a:tc>
+                <a:extLst>
+                  <a:ext uri="{0D108BD9-81ED-4DB2-BD59-A6C34878D82A}">
+                    <a16:rowId xmlns:a16="http://schemas.microsoft.com/office/drawing/2014/main" val="2869264101"/>
+                  </a:ext>
+                </a:extLst>
+              </a:tr>
+              <a:tr h="370840">
+                <a:tc>
+                  <a:txBody>
+                    <a:bodyPr/>
+                    <a:lstStyle/>
+                    <a:p>
+                      <a:r>
+                        <a:rPr lang="en-VN" dirty="0"/>
+                        <a:t>Mức độ hoàn thành </a:t>
+                      </a:r>
+                    </a:p>
+                  </a:txBody>
+                  <a:tcPr/>
+                </a:tc>
+                <a:tc>
+                  <a:txBody>
+                    <a:bodyPr/>
+                    <a:lstStyle/>
+                    <a:p>
+                      <a:r>
+                        <a:rPr lang="en-VN" dirty="0"/>
+                        <a:t>100%</a:t>
+                      </a:r>
+                    </a:p>
+                  </a:txBody>
+                  <a:tcPr/>
+                </a:tc>
+                <a:tc>
+                  <a:txBody>
+                    <a:bodyPr/>
+                    <a:lstStyle/>
+                    <a:p>
+                      <a:r>
+                        <a:rPr lang="en-VN" dirty="0"/>
+                        <a:t>100%</a:t>
+                      </a:r>
+                    </a:p>
+                  </a:txBody>
+                  <a:tcPr/>
+                </a:tc>
+                <a:tc>
+                  <a:txBody>
+                    <a:bodyPr/>
+                    <a:lstStyle/>
+                    <a:p>
+                      <a:r>
+                        <a:rPr lang="en-VN" dirty="0"/>
+                        <a:t>100%</a:t>
+                      </a:r>
+                    </a:p>
+                  </a:txBody>
+                  <a:tcPr/>
+                </a:tc>
+                <a:extLst>
+                  <a:ext uri="{0D108BD9-81ED-4DB2-BD59-A6C34878D82A}">
+                    <a16:rowId xmlns:a16="http://schemas.microsoft.com/office/drawing/2014/main" val="2122692606"/>
+                  </a:ext>
+                </a:extLst>
+              </a:tr>
+            </a:tbl>
+          </a:graphicData>
+        </a:graphic>
+      </p:graphicFrame>
+    </p:spTree>
+    <p:extLst>
+      <p:ext uri="{BB962C8B-B14F-4D97-AF65-F5344CB8AC3E}">
+        <p14:creationId xmlns:p14="http://schemas.microsoft.com/office/powerpoint/2010/main" val="4231568209"/>
+      </p:ext>
+    </p:extLst>
+  </p:cSld>
+  <p:clrMapOvr>
+    <a:masterClrMapping/>
+  </p:clrMapOvr>
+</p:sld>
+</file>
+
+<file path=ppt/slides/slide8.xml><?xml version="1.0" encoding="utf-8"?>
+<p:sld xmlns:a="http://schemas.openxmlformats.org/drawingml/2006/main" xmlns:r="http://schemas.openxmlformats.org/officeDocument/2006/relationships" xmlns:p="http://schemas.openxmlformats.org/presentationml/2006/main">
+  <p:cSld>
+    <p:spTree>
+      <p:nvGrpSpPr>
+        <p:cNvPr id="1" name=""/>
+        <p:cNvGrpSpPr/>
+        <p:nvPr/>
+      </p:nvGrpSpPr>
+      <p:grpSpPr>
+        <a:xfrm>
+          <a:off x="0" y="0"/>
+          <a:ext cx="0" cy="0"/>
+          <a:chOff x="0" y="0"/>
+          <a:chExt cx="0" cy="0"/>
+        </a:xfrm>
+      </p:grpSpPr>
+      <p:pic>
+        <p:nvPicPr>
+          <p:cNvPr id="4" name="Content Placeholder 4" descr="Diagram&#10;&#10;Description automatically generated">
+            <a:extLst>
+              <a:ext uri="{FF2B5EF4-FFF2-40B4-BE49-F238E27FC236}">
+                <a16:creationId xmlns:a16="http://schemas.microsoft.com/office/drawing/2014/main" id="{E8CED0E4-EA76-44BC-B7CE-59DCB200F7B4}"/>
+              </a:ext>
+            </a:extLst>
+          </p:cNvPr>
+          <p:cNvPicPr>
+            <a:picLocks noChangeAspect="1"/>
+          </p:cNvPicPr>
+          <p:nvPr/>
+        </p:nvPicPr>
+        <p:blipFill>
+          <a:blip r:embed="rId2">
+            <a:extLst>
+              <a:ext uri="{28A0092B-C50C-407E-A947-70E740481C1C}">
+                <a14:useLocalDpi xmlns:a14="http://schemas.microsoft.com/office/drawing/2010/main" val="0"/>
+              </a:ext>
+            </a:extLst>
+          </a:blip>
+          <a:stretch>
+            <a:fillRect/>
+          </a:stretch>
+        </p:blipFill>
+        <p:spPr>
+          <a:xfrm>
+            <a:off x="4189665" y="1801082"/>
+            <a:ext cx="3812669" cy="3255836"/>
+          </a:xfrm>
+          <a:prstGeom prst="rect">
+            <a:avLst/>
+          </a:prstGeom>
+        </p:spPr>
+      </p:pic>
+      <p:pic>
+        <p:nvPicPr>
+          <p:cNvPr id="6" name="Picture 5" descr="Chart, radar chart&#10;&#10;Description automatically generated">
+            <a:extLst>
+              <a:ext uri="{FF2B5EF4-FFF2-40B4-BE49-F238E27FC236}">
+                <a16:creationId xmlns:a16="http://schemas.microsoft.com/office/drawing/2014/main" id="{CB1C6738-CB6D-48EB-8129-F3ED84375CE4}"/>
+              </a:ext>
+            </a:extLst>
+          </p:cNvPr>
+          <p:cNvPicPr>
+            <a:picLocks noChangeAspect="1"/>
+          </p:cNvPicPr>
+          <p:nvPr/>
+        </p:nvPicPr>
+        <p:blipFill>
+          <a:blip r:embed="rId3">
+            <a:extLst>
+              <a:ext uri="{28A0092B-C50C-407E-A947-70E740481C1C}">
+                <a14:useLocalDpi xmlns:a14="http://schemas.microsoft.com/office/drawing/2010/main" val="0"/>
+              </a:ext>
+            </a:extLst>
+          </a:blip>
+          <a:stretch>
+            <a:fillRect/>
+          </a:stretch>
+        </p:blipFill>
+        <p:spPr>
+          <a:xfrm>
+            <a:off x="12641160" y="37912"/>
+            <a:ext cx="4494353" cy="3526339"/>
+          </a:xfrm>
+          <a:prstGeom prst="rect">
+            <a:avLst/>
+          </a:prstGeom>
+        </p:spPr>
+      </p:pic>
+      <p:pic>
+        <p:nvPicPr>
+          <p:cNvPr id="7" name="Picture 6" descr="Chart, radar chart&#10;&#10;Description automatically generated">
+            <a:extLst>
+              <a:ext uri="{FF2B5EF4-FFF2-40B4-BE49-F238E27FC236}">
+                <a16:creationId xmlns:a16="http://schemas.microsoft.com/office/drawing/2014/main" id="{38863DFC-F199-42B5-AC20-867CDAFBF707}"/>
+              </a:ext>
+            </a:extLst>
+          </p:cNvPr>
+          <p:cNvPicPr>
+            <a:picLocks noChangeAspect="1"/>
+          </p:cNvPicPr>
+          <p:nvPr/>
+        </p:nvPicPr>
+        <p:blipFill>
+          <a:blip r:embed="rId4">
+            <a:extLst>
+              <a:ext uri="{28A0092B-C50C-407E-A947-70E740481C1C}">
+                <a14:useLocalDpi xmlns:a14="http://schemas.microsoft.com/office/drawing/2010/main" val="0"/>
+              </a:ext>
+            </a:extLst>
+          </a:blip>
+          <a:stretch>
+            <a:fillRect/>
+          </a:stretch>
+        </p:blipFill>
+        <p:spPr>
+          <a:xfrm>
+            <a:off x="12925912" y="3913627"/>
+            <a:ext cx="3924848" cy="3562847"/>
+          </a:xfrm>
+          <a:prstGeom prst="rect">
+            <a:avLst/>
+          </a:prstGeom>
+        </p:spPr>
+      </p:pic>
+      <p:pic>
+        <p:nvPicPr>
+          <p:cNvPr id="8" name="Picture 7" descr="Diagram&#10;&#10;Description automatically generated">
+            <a:extLst>
+              <a:ext uri="{FF2B5EF4-FFF2-40B4-BE49-F238E27FC236}">
+                <a16:creationId xmlns:a16="http://schemas.microsoft.com/office/drawing/2014/main" id="{72EBBB81-FE69-4DA9-B24D-1E6219EA1665}"/>
+              </a:ext>
+            </a:extLst>
+          </p:cNvPr>
+          <p:cNvPicPr>
+            <a:picLocks noChangeAspect="1"/>
+          </p:cNvPicPr>
+          <p:nvPr/>
+        </p:nvPicPr>
+        <p:blipFill>
+          <a:blip r:embed="rId5">
+            <a:extLst>
+              <a:ext uri="{28A0092B-C50C-407E-A947-70E740481C1C}">
+                <a14:useLocalDpi xmlns:a14="http://schemas.microsoft.com/office/drawing/2010/main" val="0"/>
+              </a:ext>
+            </a:extLst>
+          </a:blip>
+          <a:stretch>
+            <a:fillRect/>
+          </a:stretch>
+        </p:blipFill>
+        <p:spPr>
+          <a:xfrm>
+            <a:off x="-4007016" y="3715821"/>
+            <a:ext cx="3273103" cy="3142179"/>
+          </a:xfrm>
+          <a:prstGeom prst="rect">
+            <a:avLst/>
+          </a:prstGeom>
+        </p:spPr>
+      </p:pic>
+      <p:pic>
+        <p:nvPicPr>
+          <p:cNvPr id="10" name="Picture 9" descr="A picture containing outdoor, sky, antenna&#10;&#10;Description automatically generated">
+            <a:extLst>
+              <a:ext uri="{FF2B5EF4-FFF2-40B4-BE49-F238E27FC236}">
+                <a16:creationId xmlns:a16="http://schemas.microsoft.com/office/drawing/2014/main" id="{313303AB-52D2-46D7-91E1-BF3C10D568AA}"/>
+              </a:ext>
+            </a:extLst>
+          </p:cNvPr>
+          <p:cNvPicPr>
+            <a:picLocks noChangeAspect="1"/>
+          </p:cNvPicPr>
+          <p:nvPr/>
+        </p:nvPicPr>
+        <p:blipFill>
+          <a:blip r:embed="rId6">
+            <a:extLst>
+              <a:ext uri="{28A0092B-C50C-407E-A947-70E740481C1C}">
+                <a14:useLocalDpi xmlns:a14="http://schemas.microsoft.com/office/drawing/2010/main" val="0"/>
+              </a:ext>
+            </a:extLst>
+          </a:blip>
+          <a:stretch>
+            <a:fillRect/>
+          </a:stretch>
+        </p:blipFill>
+        <p:spPr>
+          <a:xfrm>
+            <a:off x="4443411" y="-3092457"/>
+            <a:ext cx="3305175" cy="2609850"/>
+          </a:xfrm>
+          <a:prstGeom prst="rect">
+            <a:avLst/>
+          </a:prstGeom>
+        </p:spPr>
+      </p:pic>
+    </p:spTree>
+    <p:extLst>
+      <p:ext uri="{BB962C8B-B14F-4D97-AF65-F5344CB8AC3E}">
+        <p14:creationId xmlns:p14="http://schemas.microsoft.com/office/powerpoint/2010/main" val="1762945363"/>
+      </p:ext>
+    </p:extLst>
+  </p:cSld>
+  <p:clrMapOvr>
+    <a:masterClrMapping/>
+  </p:clrMapOvr>
+  <mc:AlternateContent xmlns:mc="http://schemas.openxmlformats.org/markup-compatibility/2006" xmlns:p159="http://schemas.microsoft.com/office/powerpoint/2015/09/main">
+    <mc:Choice Requires="p159">
+      <p:transition xmlns:p14="http://schemas.microsoft.com/office/powerpoint/2010/main" spd="slow" p14:dur="1250">
+        <p159:morph option="byObject"/>
+      </p:transition>
+    </mc:Choice>
+    <mc:Fallback xmlns="">
+      <p:transition spd="slow">
+        <p:fade/>
+      </p:transition>
+    </mc:Fallback>
+  </mc:AlternateContent>
+</p:sld>
+</file>
+
+<file path=ppt/slides/slide80.xml><?xml version="1.0" encoding="utf-8"?>
+<p:sld xmlns:a="http://schemas.openxmlformats.org/drawingml/2006/main" xmlns:r="http://schemas.openxmlformats.org/officeDocument/2006/relationships" xmlns:p="http://schemas.openxmlformats.org/presentationml/2006/main">
+  <p:cSld>
     <p:bg>
       <p:bgPr>
         <a:solidFill>
@@ -33056,228 +33753,6 @@
   <mc:AlternateContent xmlns:mc="http://schemas.openxmlformats.org/markup-compatibility/2006" xmlns:p159="http://schemas.microsoft.com/office/powerpoint/2015/09/main">
     <mc:Choice Requires="p159">
       <p:transition xmlns:p14="http://schemas.microsoft.com/office/powerpoint/2010/main" spd="slow" p14:dur="2000">
-        <p159:morph option="byObject"/>
-      </p:transition>
-    </mc:Choice>
-    <mc:Fallback xmlns="">
-      <p:transition spd="slow">
-        <p:fade/>
-      </p:transition>
-    </mc:Fallback>
-  </mc:AlternateContent>
-</p:sld>
-</file>
-
-<file path=ppt/slides/slide8.xml><?xml version="1.0" encoding="utf-8"?>
-<p:sld xmlns:a="http://schemas.openxmlformats.org/drawingml/2006/main" xmlns:r="http://schemas.openxmlformats.org/officeDocument/2006/relationships" xmlns:p="http://schemas.openxmlformats.org/presentationml/2006/main">
-  <p:cSld>
-    <p:spTree>
-      <p:nvGrpSpPr>
-        <p:cNvPr id="1" name=""/>
-        <p:cNvGrpSpPr/>
-        <p:nvPr/>
-      </p:nvGrpSpPr>
-      <p:grpSpPr>
-        <a:xfrm>
-          <a:off x="0" y="0"/>
-          <a:ext cx="0" cy="0"/>
-          <a:chOff x="0" y="0"/>
-          <a:chExt cx="0" cy="0"/>
-        </a:xfrm>
-      </p:grpSpPr>
-      <p:pic>
-        <p:nvPicPr>
-          <p:cNvPr id="4" name="Content Placeholder 4" descr="Diagram&#10;&#10;Description automatically generated">
-            <a:extLst>
-              <a:ext uri="{FF2B5EF4-FFF2-40B4-BE49-F238E27FC236}">
-                <a16:creationId xmlns:a16="http://schemas.microsoft.com/office/drawing/2014/main" id="{E8CED0E4-EA76-44BC-B7CE-59DCB200F7B4}"/>
-              </a:ext>
-            </a:extLst>
-          </p:cNvPr>
-          <p:cNvPicPr>
-            <a:picLocks noChangeAspect="1"/>
-          </p:cNvPicPr>
-          <p:nvPr/>
-        </p:nvPicPr>
-        <p:blipFill>
-          <a:blip r:embed="rId2">
-            <a:extLst>
-              <a:ext uri="{28A0092B-C50C-407E-A947-70E740481C1C}">
-                <a14:useLocalDpi xmlns:a14="http://schemas.microsoft.com/office/drawing/2010/main" val="0"/>
-              </a:ext>
-            </a:extLst>
-          </a:blip>
-          <a:stretch>
-            <a:fillRect/>
-          </a:stretch>
-        </p:blipFill>
-        <p:spPr>
-          <a:xfrm>
-            <a:off x="4189665" y="1801082"/>
-            <a:ext cx="3812669" cy="3255836"/>
-          </a:xfrm>
-          <a:prstGeom prst="rect">
-            <a:avLst/>
-          </a:prstGeom>
-        </p:spPr>
-      </p:pic>
-      <p:pic>
-        <p:nvPicPr>
-          <p:cNvPr id="6" name="Picture 5" descr="Chart, radar chart&#10;&#10;Description automatically generated">
-            <a:extLst>
-              <a:ext uri="{FF2B5EF4-FFF2-40B4-BE49-F238E27FC236}">
-                <a16:creationId xmlns:a16="http://schemas.microsoft.com/office/drawing/2014/main" id="{CB1C6738-CB6D-48EB-8129-F3ED84375CE4}"/>
-              </a:ext>
-            </a:extLst>
-          </p:cNvPr>
-          <p:cNvPicPr>
-            <a:picLocks noChangeAspect="1"/>
-          </p:cNvPicPr>
-          <p:nvPr/>
-        </p:nvPicPr>
-        <p:blipFill>
-          <a:blip r:embed="rId3">
-            <a:extLst>
-              <a:ext uri="{28A0092B-C50C-407E-A947-70E740481C1C}">
-                <a14:useLocalDpi xmlns:a14="http://schemas.microsoft.com/office/drawing/2010/main" val="0"/>
-              </a:ext>
-            </a:extLst>
-          </a:blip>
-          <a:stretch>
-            <a:fillRect/>
-          </a:stretch>
-        </p:blipFill>
-        <p:spPr>
-          <a:xfrm>
-            <a:off x="12641160" y="37912"/>
-            <a:ext cx="4494353" cy="3526339"/>
-          </a:xfrm>
-          <a:prstGeom prst="rect">
-            <a:avLst/>
-          </a:prstGeom>
-        </p:spPr>
-      </p:pic>
-      <p:pic>
-        <p:nvPicPr>
-          <p:cNvPr id="7" name="Picture 6" descr="Chart, radar chart&#10;&#10;Description automatically generated">
-            <a:extLst>
-              <a:ext uri="{FF2B5EF4-FFF2-40B4-BE49-F238E27FC236}">
-                <a16:creationId xmlns:a16="http://schemas.microsoft.com/office/drawing/2014/main" id="{38863DFC-F199-42B5-AC20-867CDAFBF707}"/>
-              </a:ext>
-            </a:extLst>
-          </p:cNvPr>
-          <p:cNvPicPr>
-            <a:picLocks noChangeAspect="1"/>
-          </p:cNvPicPr>
-          <p:nvPr/>
-        </p:nvPicPr>
-        <p:blipFill>
-          <a:blip r:embed="rId4">
-            <a:extLst>
-              <a:ext uri="{28A0092B-C50C-407E-A947-70E740481C1C}">
-                <a14:useLocalDpi xmlns:a14="http://schemas.microsoft.com/office/drawing/2010/main" val="0"/>
-              </a:ext>
-            </a:extLst>
-          </a:blip>
-          <a:stretch>
-            <a:fillRect/>
-          </a:stretch>
-        </p:blipFill>
-        <p:spPr>
-          <a:xfrm>
-            <a:off x="12925912" y="3913627"/>
-            <a:ext cx="3924848" cy="3562847"/>
-          </a:xfrm>
-          <a:prstGeom prst="rect">
-            <a:avLst/>
-          </a:prstGeom>
-        </p:spPr>
-      </p:pic>
-      <p:pic>
-        <p:nvPicPr>
-          <p:cNvPr id="8" name="Picture 7" descr="Diagram&#10;&#10;Description automatically generated">
-            <a:extLst>
-              <a:ext uri="{FF2B5EF4-FFF2-40B4-BE49-F238E27FC236}">
-                <a16:creationId xmlns:a16="http://schemas.microsoft.com/office/drawing/2014/main" id="{72EBBB81-FE69-4DA9-B24D-1E6219EA1665}"/>
-              </a:ext>
-            </a:extLst>
-          </p:cNvPr>
-          <p:cNvPicPr>
-            <a:picLocks noChangeAspect="1"/>
-          </p:cNvPicPr>
-          <p:nvPr/>
-        </p:nvPicPr>
-        <p:blipFill>
-          <a:blip r:embed="rId5">
-            <a:extLst>
-              <a:ext uri="{28A0092B-C50C-407E-A947-70E740481C1C}">
-                <a14:useLocalDpi xmlns:a14="http://schemas.microsoft.com/office/drawing/2010/main" val="0"/>
-              </a:ext>
-            </a:extLst>
-          </a:blip>
-          <a:stretch>
-            <a:fillRect/>
-          </a:stretch>
-        </p:blipFill>
-        <p:spPr>
-          <a:xfrm>
-            <a:off x="-4007016" y="3715821"/>
-            <a:ext cx="3273103" cy="3142179"/>
-          </a:xfrm>
-          <a:prstGeom prst="rect">
-            <a:avLst/>
-          </a:prstGeom>
-        </p:spPr>
-      </p:pic>
-      <p:pic>
-        <p:nvPicPr>
-          <p:cNvPr id="10" name="Picture 9" descr="A picture containing outdoor, sky, antenna&#10;&#10;Description automatically generated">
-            <a:extLst>
-              <a:ext uri="{FF2B5EF4-FFF2-40B4-BE49-F238E27FC236}">
-                <a16:creationId xmlns:a16="http://schemas.microsoft.com/office/drawing/2014/main" id="{313303AB-52D2-46D7-91E1-BF3C10D568AA}"/>
-              </a:ext>
-            </a:extLst>
-          </p:cNvPr>
-          <p:cNvPicPr>
-            <a:picLocks noChangeAspect="1"/>
-          </p:cNvPicPr>
-          <p:nvPr/>
-        </p:nvPicPr>
-        <p:blipFill>
-          <a:blip r:embed="rId6">
-            <a:extLst>
-              <a:ext uri="{28A0092B-C50C-407E-A947-70E740481C1C}">
-                <a14:useLocalDpi xmlns:a14="http://schemas.microsoft.com/office/drawing/2010/main" val="0"/>
-              </a:ext>
-            </a:extLst>
-          </a:blip>
-          <a:stretch>
-            <a:fillRect/>
-          </a:stretch>
-        </p:blipFill>
-        <p:spPr>
-          <a:xfrm>
-            <a:off x="4443411" y="-3092457"/>
-            <a:ext cx="3305175" cy="2609850"/>
-          </a:xfrm>
-          <a:prstGeom prst="rect">
-            <a:avLst/>
-          </a:prstGeom>
-        </p:spPr>
-      </p:pic>
-    </p:spTree>
-    <p:extLst>
-      <p:ext uri="{BB962C8B-B14F-4D97-AF65-F5344CB8AC3E}">
-        <p14:creationId xmlns:p14="http://schemas.microsoft.com/office/powerpoint/2010/main" val="1762945363"/>
-      </p:ext>
-    </p:extLst>
-  </p:cSld>
-  <p:clrMapOvr>
-    <a:masterClrMapping/>
-  </p:clrMapOvr>
-  <mc:AlternateContent xmlns:mc="http://schemas.openxmlformats.org/markup-compatibility/2006" xmlns:p159="http://schemas.microsoft.com/office/powerpoint/2015/09/main">
-    <mc:Choice Requires="p159">
-      <p:transition xmlns:p14="http://schemas.microsoft.com/office/powerpoint/2010/main" spd="slow" p14:dur="1250">
         <p159:morph option="byObject"/>
       </p:transition>
     </mc:Choice>
